--- a/doc/Steamscroller.PPTX
+++ b/doc/Steamscroller.PPTX
@@ -107,6 +107,11 @@
       </a:defRPr>
     </a:lvl9pPr>
   </p:defaultTextStyle>
+  <p:extLst>
+    <p:ext uri="{EFAFB233-063F-42B5-8137-9DF3F51BA10A}">
+      <p15:sldGuideLst xmlns:p15="http://schemas.microsoft.com/office/powerpoint/2012/main"/>
+    </p:ext>
+  </p:extLst>
 </p:presentation>
 </file>
 
@@ -243,7 +248,7 @@
           <a:p>
             <a:fld id="{DC8903CB-1304-458D-9C90-690B44D8019E}" type="datetimeFigureOut">
               <a:rPr lang="ru-RU" smtClean="0"/>
-              <a:t>23.04.2023</a:t>
+              <a:t>24.04.2023</a:t>
             </a:fld>
             <a:endParaRPr lang="ru-RU"/>
           </a:p>
@@ -530,7 +535,7 @@
           <a:p>
             <a:fld id="{DC8903CB-1304-458D-9C90-690B44D8019E}" type="datetimeFigureOut">
               <a:rPr lang="ru-RU" smtClean="0"/>
-              <a:t>23.04.2023</a:t>
+              <a:t>24.04.2023</a:t>
             </a:fld>
             <a:endParaRPr lang="ru-RU"/>
           </a:p>
@@ -722,7 +727,7 @@
           <a:p>
             <a:fld id="{DC8903CB-1304-458D-9C90-690B44D8019E}" type="datetimeFigureOut">
               <a:rPr lang="ru-RU" smtClean="0"/>
-              <a:t>23.04.2023</a:t>
+              <a:t>24.04.2023</a:t>
             </a:fld>
             <a:endParaRPr lang="ru-RU"/>
           </a:p>
@@ -983,7 +988,7 @@
           <a:p>
             <a:fld id="{DC8903CB-1304-458D-9C90-690B44D8019E}" type="datetimeFigureOut">
               <a:rPr lang="ru-RU" smtClean="0"/>
-              <a:t>23.04.2023</a:t>
+              <a:t>24.04.2023</a:t>
             </a:fld>
             <a:endParaRPr lang="ru-RU"/>
           </a:p>
@@ -1407,7 +1412,7 @@
           <a:p>
             <a:fld id="{DC8903CB-1304-458D-9C90-690B44D8019E}" type="datetimeFigureOut">
               <a:rPr lang="ru-RU" smtClean="0"/>
-              <a:t>23.04.2023</a:t>
+              <a:t>24.04.2023</a:t>
             </a:fld>
             <a:endParaRPr lang="ru-RU"/>
           </a:p>
@@ -1953,7 +1958,7 @@
           <a:p>
             <a:fld id="{DC8903CB-1304-458D-9C90-690B44D8019E}" type="datetimeFigureOut">
               <a:rPr lang="ru-RU" smtClean="0"/>
-              <a:t>23.04.2023</a:t>
+              <a:t>24.04.2023</a:t>
             </a:fld>
             <a:endParaRPr lang="ru-RU"/>
           </a:p>
@@ -2793,7 +2798,7 @@
           <a:p>
             <a:fld id="{DC8903CB-1304-458D-9C90-690B44D8019E}" type="datetimeFigureOut">
               <a:rPr lang="ru-RU" smtClean="0"/>
-              <a:t>23.04.2023</a:t>
+              <a:t>24.04.2023</a:t>
             </a:fld>
             <a:endParaRPr lang="ru-RU"/>
           </a:p>
@@ -2963,7 +2968,7 @@
           <a:p>
             <a:fld id="{DC8903CB-1304-458D-9C90-690B44D8019E}" type="datetimeFigureOut">
               <a:rPr lang="ru-RU" smtClean="0"/>
-              <a:t>23.04.2023</a:t>
+              <a:t>24.04.2023</a:t>
             </a:fld>
             <a:endParaRPr lang="ru-RU"/>
           </a:p>
@@ -3147,7 +3152,7 @@
           <a:p>
             <a:fld id="{DC8903CB-1304-458D-9C90-690B44D8019E}" type="datetimeFigureOut">
               <a:rPr lang="ru-RU" smtClean="0"/>
-              <a:t>23.04.2023</a:t>
+              <a:t>24.04.2023</a:t>
             </a:fld>
             <a:endParaRPr lang="ru-RU"/>
           </a:p>
@@ -3317,7 +3322,7 @@
           <a:p>
             <a:fld id="{DC8903CB-1304-458D-9C90-690B44D8019E}" type="datetimeFigureOut">
               <a:rPr lang="ru-RU" smtClean="0"/>
-              <a:t>23.04.2023</a:t>
+              <a:t>24.04.2023</a:t>
             </a:fld>
             <a:endParaRPr lang="ru-RU"/>
           </a:p>
@@ -3565,7 +3570,7 @@
           <a:p>
             <a:fld id="{DC8903CB-1304-458D-9C90-690B44D8019E}" type="datetimeFigureOut">
               <a:rPr lang="ru-RU" smtClean="0"/>
-              <a:t>23.04.2023</a:t>
+              <a:t>24.04.2023</a:t>
             </a:fld>
             <a:endParaRPr lang="ru-RU"/>
           </a:p>
@@ -3802,7 +3807,7 @@
           <a:p>
             <a:fld id="{DC8903CB-1304-458D-9C90-690B44D8019E}" type="datetimeFigureOut">
               <a:rPr lang="ru-RU" smtClean="0"/>
-              <a:t>23.04.2023</a:t>
+              <a:t>24.04.2023</a:t>
             </a:fld>
             <a:endParaRPr lang="ru-RU"/>
           </a:p>
@@ -4175,7 +4180,7 @@
           <a:p>
             <a:fld id="{DC8903CB-1304-458D-9C90-690B44D8019E}" type="datetimeFigureOut">
               <a:rPr lang="ru-RU" smtClean="0"/>
-              <a:t>23.04.2023</a:t>
+              <a:t>24.04.2023</a:t>
             </a:fld>
             <a:endParaRPr lang="ru-RU"/>
           </a:p>
@@ -4293,7 +4298,7 @@
           <a:p>
             <a:fld id="{DC8903CB-1304-458D-9C90-690B44D8019E}" type="datetimeFigureOut">
               <a:rPr lang="ru-RU" smtClean="0"/>
-              <a:t>23.04.2023</a:t>
+              <a:t>24.04.2023</a:t>
             </a:fld>
             <a:endParaRPr lang="ru-RU"/>
           </a:p>
@@ -4388,7 +4393,7 @@
           <a:p>
             <a:fld id="{DC8903CB-1304-458D-9C90-690B44D8019E}" type="datetimeFigureOut">
               <a:rPr lang="ru-RU" smtClean="0"/>
-              <a:t>23.04.2023</a:t>
+              <a:t>24.04.2023</a:t>
             </a:fld>
             <a:endParaRPr lang="ru-RU"/>
           </a:p>
@@ -4639,7 +4644,7 @@
           <a:p>
             <a:fld id="{DC8903CB-1304-458D-9C90-690B44D8019E}" type="datetimeFigureOut">
               <a:rPr lang="ru-RU" smtClean="0"/>
-              <a:t>23.04.2023</a:t>
+              <a:t>24.04.2023</a:t>
             </a:fld>
             <a:endParaRPr lang="ru-RU"/>
           </a:p>
@@ -4926,7 +4931,7 @@
           <a:p>
             <a:fld id="{DC8903CB-1304-458D-9C90-690B44D8019E}" type="datetimeFigureOut">
               <a:rPr lang="ru-RU" smtClean="0"/>
-              <a:t>23.04.2023</a:t>
+              <a:t>24.04.2023</a:t>
             </a:fld>
             <a:endParaRPr lang="ru-RU"/>
           </a:p>
@@ -5139,7 +5144,7 @@
           <a:p>
             <a:fld id="{DC8903CB-1304-458D-9C90-690B44D8019E}" type="datetimeFigureOut">
               <a:rPr lang="ru-RU" smtClean="0"/>
-              <a:t>23.04.2023</a:t>
+              <a:t>24.04.2023</a:t>
             </a:fld>
             <a:endParaRPr lang="ru-RU"/>
           </a:p>
@@ -7220,10 +7225,25 @@
                 <a:ea typeface="Microsoft YaHei UI" panose="020B0503020204020204" pitchFamily="34" charset="-122"/>
                 <a:cs typeface="+mj-cs"/>
               </a:rPr>
-              <a:t>Из интересного, присутствует немного </a:t>
-            </a:r>
-            <a:r>
-              <a:rPr lang="en-US" cap="all" dirty="0" err="1">
+              <a:t>Из интересного, </a:t>
+            </a:r>
+            <a:r>
+              <a:rPr lang="ru-RU" cap="all" dirty="0" smtClean="0">
+                <a:effectLst>
+                  <a:outerShdw blurRad="38100" dist="38100" dir="2700000" algn="tl">
+                    <a:srgbClr val="000000">
+                      <a:alpha val="43137"/>
+                    </a:srgbClr>
+                  </a:outerShdw>
+                </a:effectLst>
+                <a:latin typeface="Microsoft YaHei UI" panose="020B0503020204020204" pitchFamily="34" charset="-122"/>
+                <a:ea typeface="Microsoft YaHei UI" panose="020B0503020204020204" pitchFamily="34" charset="-122"/>
+                <a:cs typeface="+mj-cs"/>
+              </a:rPr>
+              <a:t>в проекте также используется </a:t>
+            </a:r>
+            <a:r>
+              <a:rPr lang="en-US" cap="all" dirty="0" err="1" smtClean="0">
                 <a:effectLst>
                   <a:outerShdw blurRad="38100" dist="38100" dir="2700000" algn="tl">
                     <a:srgbClr val="000000">
@@ -7298,11 +7318,36 @@
             <p:ph type="title"/>
           </p:nvPr>
         </p:nvSpPr>
-        <p:spPr/>
+        <p:spPr>
+          <a:xfrm>
+            <a:off x="913795" y="609600"/>
+            <a:ext cx="10525171" cy="1326321"/>
+          </a:xfrm>
+        </p:spPr>
         <p:txBody>
           <a:bodyPr/>
           <a:lstStyle/>
           <a:p>
+            <a:r>
+              <a:rPr lang="ru-RU" dirty="0" smtClean="0"/>
+              <a:t>Авторизация через </a:t>
+            </a:r>
+            <a:r>
+              <a:rPr lang="en-US" dirty="0" smtClean="0"/>
+              <a:t>Steam </a:t>
+            </a:r>
+            <a:r>
+              <a:rPr lang="en-US" dirty="0"/>
+              <a:t>(</a:t>
+            </a:r>
+            <a:r>
+              <a:rPr lang="en-US" dirty="0" err="1" smtClean="0"/>
+              <a:t>openid</a:t>
+            </a:r>
+            <a:r>
+              <a:rPr lang="ru-RU" dirty="0" smtClean="0"/>
+              <a:t>)</a:t>
+            </a:r>
             <a:endParaRPr lang="ru-RU" dirty="0"/>
           </a:p>
         </p:txBody>
@@ -7323,15 +7368,99 @@
             <p:ph idx="1"/>
           </p:nvPr>
         </p:nvSpPr>
-        <p:spPr/>
+        <p:spPr>
+          <a:xfrm>
+            <a:off x="913796" y="2096064"/>
+            <a:ext cx="5307710" cy="3695136"/>
+          </a:xfrm>
+        </p:spPr>
         <p:txBody>
           <a:bodyPr/>
           <a:lstStyle/>
           <a:p>
-            <a:endParaRPr lang="ru-RU"/>
-          </a:p>
-        </p:txBody>
-      </p:sp>
+            <a:pPr marL="0" indent="0">
+              <a:buNone/>
+            </a:pPr>
+            <a:r>
+              <a:rPr lang="ru-RU" dirty="0" smtClean="0"/>
+              <a:t>Одна из интересных особенностей</a:t>
+            </a:r>
+            <a:r>
+              <a:rPr lang="en-US" dirty="0" smtClean="0"/>
+              <a:t>,</a:t>
+            </a:r>
+            <a:r>
+              <a:rPr lang="ru-RU" dirty="0" smtClean="0"/>
+              <a:t> которую стоит отметить – это возможность авторизоваться на сайте напрямую через </a:t>
+            </a:r>
+            <a:r>
+              <a:rPr lang="en-US" dirty="0" smtClean="0"/>
+              <a:t>Steam. </a:t>
+            </a:r>
+            <a:r>
+              <a:rPr lang="ru-RU" dirty="0" smtClean="0"/>
+              <a:t>Помимо того, что </a:t>
+            </a:r>
+            <a:r>
+              <a:rPr lang="ru-RU" dirty="0"/>
+              <a:t>вы </a:t>
+            </a:r>
+            <a:r>
+              <a:rPr lang="ru-RU" dirty="0" smtClean="0"/>
+              <a:t>можете быстро получить доступ к функционалу сайта, вам также </a:t>
+            </a:r>
+            <a:r>
+              <a:rPr lang="ru-RU" dirty="0"/>
+              <a:t>не нужно </a:t>
+            </a:r>
+            <a:r>
+              <a:rPr lang="ru-RU" dirty="0" smtClean="0"/>
+              <a:t>заморачиваться с регистрацией</a:t>
+            </a:r>
+            <a:r>
+              <a:rPr lang="en-US" dirty="0" smtClean="0"/>
+              <a:t>:</a:t>
+            </a:r>
+            <a:r>
+              <a:rPr lang="ru-RU" dirty="0" smtClean="0"/>
+              <a:t> указывать имя, фамилию </a:t>
+            </a:r>
+            <a:r>
+              <a:rPr lang="en-US" dirty="0" smtClean="0"/>
+              <a:t>(?) </a:t>
+            </a:r>
+            <a:r>
+              <a:rPr lang="ru-RU" dirty="0" smtClean="0"/>
+              <a:t>и придумывать пароль.</a:t>
+            </a:r>
+            <a:endParaRPr lang="ru-RU" dirty="0"/>
+          </a:p>
+        </p:txBody>
+      </p:sp>
+      <p:pic>
+        <p:nvPicPr>
+          <p:cNvPr id="6" name="Рисунок 5"/>
+          <p:cNvPicPr>
+            <a:picLocks noChangeAspect="1"/>
+          </p:cNvPicPr>
+          <p:nvPr/>
+        </p:nvPicPr>
+        <p:blipFill>
+          <a:blip r:embed="rId2"/>
+          <a:stretch>
+            <a:fillRect/>
+          </a:stretch>
+        </p:blipFill>
+        <p:spPr>
+          <a:xfrm>
+            <a:off x="6364942" y="2194612"/>
+            <a:ext cx="4721209" cy="3015103"/>
+          </a:xfrm>
+          <a:prstGeom prst="rect">
+            <a:avLst/>
+          </a:prstGeom>
+        </p:spPr>
+      </p:pic>
     </p:spTree>
     <p:extLst>
       <p:ext uri="{BB962C8B-B14F-4D97-AF65-F5344CB8AC3E}">

--- a/doc/Steamscroller.PPTX
+++ b/doc/Steamscroller.PPTX
@@ -8,7 +8,14 @@
     <p:sldId id="256" r:id="rId2"/>
     <p:sldId id="257" r:id="rId3"/>
     <p:sldId id="258" r:id="rId4"/>
-    <p:sldId id="259" r:id="rId5"/>
+    <p:sldId id="260" r:id="rId5"/>
+    <p:sldId id="259" r:id="rId6"/>
+    <p:sldId id="261" r:id="rId7"/>
+    <p:sldId id="262" r:id="rId8"/>
+    <p:sldId id="263" r:id="rId9"/>
+    <p:sldId id="264" r:id="rId10"/>
+    <p:sldId id="265" r:id="rId11"/>
+    <p:sldId id="266" r:id="rId12"/>
   </p:sldIdLst>
   <p:sldSz cx="12192000" cy="6858000"/>
   <p:notesSz cx="6858000" cy="9144000"/>
@@ -6156,6 +6163,168 @@
 </p:sld>
 </file>
 
+<file path=ppt/slides/slide10.xml><?xml version="1.0" encoding="utf-8"?>
+<p:sld xmlns:a="http://schemas.openxmlformats.org/drawingml/2006/main" xmlns:r="http://schemas.openxmlformats.org/officeDocument/2006/relationships" xmlns:p="http://schemas.openxmlformats.org/presentationml/2006/main">
+  <p:cSld>
+    <p:spTree>
+      <p:nvGrpSpPr>
+        <p:cNvPr id="1" name=""/>
+        <p:cNvGrpSpPr/>
+        <p:nvPr/>
+      </p:nvGrpSpPr>
+      <p:grpSpPr>
+        <a:xfrm>
+          <a:off x="0" y="0"/>
+          <a:ext cx="0" cy="0"/>
+          <a:chOff x="0" y="0"/>
+          <a:chExt cx="0" cy="0"/>
+        </a:xfrm>
+      </p:grpSpPr>
+      <p:sp>
+        <p:nvSpPr>
+          <p:cNvPr id="2" name="Заголовок 1"/>
+          <p:cNvSpPr>
+            <a:spLocks noGrp="1"/>
+          </p:cNvSpPr>
+          <p:nvPr>
+            <p:ph type="title"/>
+          </p:nvPr>
+        </p:nvSpPr>
+        <p:spPr/>
+        <p:txBody>
+          <a:bodyPr/>
+          <a:lstStyle/>
+          <a:p>
+            <a:r>
+              <a:rPr lang="ru-RU" dirty="0" smtClean="0"/>
+              <a:t>Заключение</a:t>
+            </a:r>
+            <a:endParaRPr lang="ru-RU" dirty="0"/>
+          </a:p>
+        </p:txBody>
+      </p:sp>
+      <p:sp>
+        <p:nvSpPr>
+          <p:cNvPr id="3" name="Объект 2"/>
+          <p:cNvSpPr>
+            <a:spLocks noGrp="1"/>
+          </p:cNvSpPr>
+          <p:nvPr>
+            <p:ph idx="1"/>
+          </p:nvPr>
+        </p:nvSpPr>
+        <p:spPr/>
+        <p:txBody>
+          <a:bodyPr>
+            <a:normAutofit/>
+          </a:bodyPr>
+          <a:lstStyle/>
+          <a:p>
+            <a:pPr marL="0" indent="0">
+              <a:buNone/>
+            </a:pPr>
+            <a:r>
+              <a:rPr lang="ru-RU" sz="2800" dirty="0"/>
+              <a:t>Несмотря на то, что в течение трёх недель мы проделали большую работу над данным проектом – мы не смогли (или не успели) реализовать некоторые особенности, которые изначально планировали.</a:t>
+            </a:r>
+            <a:br>
+              <a:rPr lang="ru-RU" sz="2800" dirty="0"/>
+            </a:br>
+            <a:r>
+              <a:rPr lang="ru-RU" sz="2800" dirty="0"/>
+              <a:t>Тем не менее, мы довольны проектом, он имеет потенциал для доработки и внедрения новых функций. </a:t>
+            </a:r>
+            <a:endParaRPr lang="ru-RU" sz="2800" dirty="0"/>
+          </a:p>
+        </p:txBody>
+      </p:sp>
+    </p:spTree>
+    <p:extLst>
+      <p:ext uri="{BB962C8B-B14F-4D97-AF65-F5344CB8AC3E}">
+        <p14:creationId xmlns:p14="http://schemas.microsoft.com/office/powerpoint/2010/main" val="1145236874"/>
+      </p:ext>
+    </p:extLst>
+  </p:cSld>
+  <p:clrMapOvr>
+    <a:masterClrMapping/>
+  </p:clrMapOvr>
+  <p:timing>
+    <p:tnLst>
+      <p:par>
+        <p:cTn id="1" dur="indefinite" restart="never" nodeType="tmRoot"/>
+      </p:par>
+    </p:tnLst>
+  </p:timing>
+</p:sld>
+</file>
+
+<file path=ppt/slides/slide11.xml><?xml version="1.0" encoding="utf-8"?>
+<p:sld xmlns:a="http://schemas.openxmlformats.org/drawingml/2006/main" xmlns:r="http://schemas.openxmlformats.org/officeDocument/2006/relationships" xmlns:p="http://schemas.openxmlformats.org/presentationml/2006/main">
+  <p:cSld>
+    <p:spTree>
+      <p:nvGrpSpPr>
+        <p:cNvPr id="1" name=""/>
+        <p:cNvGrpSpPr/>
+        <p:nvPr/>
+      </p:nvGrpSpPr>
+      <p:grpSpPr>
+        <a:xfrm>
+          <a:off x="0" y="0"/>
+          <a:ext cx="0" cy="0"/>
+          <a:chOff x="0" y="0"/>
+          <a:chExt cx="0" cy="0"/>
+        </a:xfrm>
+      </p:grpSpPr>
+      <p:pic>
+        <p:nvPicPr>
+          <p:cNvPr id="2" name="Рисунок 1"/>
+          <p:cNvPicPr>
+            <a:picLocks noChangeAspect="1"/>
+          </p:cNvPicPr>
+          <p:nvPr/>
+        </p:nvPicPr>
+        <p:blipFill>
+          <a:blip r:embed="rId2">
+            <a:extLst>
+              <a:ext uri="{28A0092B-C50C-407E-A947-70E740481C1C}">
+                <a14:useLocalDpi xmlns:a14="http://schemas.microsoft.com/office/drawing/2010/main" val="0"/>
+              </a:ext>
+            </a:extLst>
+          </a:blip>
+          <a:stretch>
+            <a:fillRect/>
+          </a:stretch>
+        </p:blipFill>
+        <p:spPr>
+          <a:xfrm>
+            <a:off x="4992565" y="659422"/>
+            <a:ext cx="2542442" cy="5649871"/>
+          </a:xfrm>
+          <a:prstGeom prst="rect">
+            <a:avLst/>
+          </a:prstGeom>
+        </p:spPr>
+      </p:pic>
+    </p:spTree>
+    <p:extLst>
+      <p:ext uri="{BB962C8B-B14F-4D97-AF65-F5344CB8AC3E}">
+        <p14:creationId xmlns:p14="http://schemas.microsoft.com/office/powerpoint/2010/main" val="1887598864"/>
+      </p:ext>
+    </p:extLst>
+  </p:cSld>
+  <p:clrMapOvr>
+    <a:masterClrMapping/>
+  </p:clrMapOvr>
+  <p:timing>
+    <p:tnLst>
+      <p:par>
+        <p:cTn id="1" dur="indefinite" restart="never" nodeType="tmRoot"/>
+      </p:par>
+    </p:tnLst>
+  </p:timing>
+</p:sld>
+</file>
+
 <file path=ppt/slides/slide2.xml><?xml version="1.0" encoding="utf-8"?>
 <p:sld xmlns:a="http://schemas.openxmlformats.org/drawingml/2006/main" xmlns:r="http://schemas.openxmlformats.org/officeDocument/2006/relationships" xmlns:p="http://schemas.openxmlformats.org/presentationml/2006/main">
   <p:cSld>
@@ -6399,7 +6568,7 @@
         </p:spPr>
         <p:txBody>
           <a:bodyPr spcFirstLastPara="1" vert="horz" wrap="square" lIns="91425" tIns="91425" rIns="91425" bIns="91425" rtlCol="0" anchor="t" anchorCtr="0">
-            <a:normAutofit lnSpcReduction="10000"/>
+            <a:normAutofit fontScale="92500" lnSpcReduction="10000"/>
           </a:bodyPr>
           <a:lstStyle>
             <a:lvl1pPr marL="228600" indent="-228600" algn="l" defTabSz="914400" rtl="0" eaLnBrk="1" latinLnBrk="0" hangingPunct="1">
@@ -7243,6 +7412,21 @@
               <a:t>в проекте также используется </a:t>
             </a:r>
             <a:r>
+              <a:rPr lang="ru-RU" cap="all" dirty="0" smtClean="0">
+                <a:effectLst>
+                  <a:outerShdw blurRad="38100" dist="38100" dir="2700000" algn="tl">
+                    <a:srgbClr val="000000">
+                      <a:alpha val="43137"/>
+                    </a:srgbClr>
+                  </a:outerShdw>
+                </a:effectLst>
+                <a:latin typeface="Microsoft YaHei UI" panose="020B0503020204020204" pitchFamily="34" charset="-122"/>
+                <a:ea typeface="Microsoft YaHei UI" panose="020B0503020204020204" pitchFamily="34" charset="-122"/>
+                <a:cs typeface="+mj-cs"/>
+              </a:rPr>
+              <a:t>немного </a:t>
+            </a:r>
+            <a:r>
               <a:rPr lang="en-US" cap="all" dirty="0" err="1" smtClean="0">
                 <a:effectLst>
                   <a:outerShdw blurRad="38100" dist="38100" dir="2700000" algn="tl">
@@ -7286,6 +7470,114 @@
 </file>
 
 <file path=ppt/slides/slide4.xml><?xml version="1.0" encoding="utf-8"?>
+<p:sld xmlns:a="http://schemas.openxmlformats.org/drawingml/2006/main" xmlns:r="http://schemas.openxmlformats.org/officeDocument/2006/relationships" xmlns:p="http://schemas.openxmlformats.org/presentationml/2006/main">
+  <p:cSld>
+    <p:spTree>
+      <p:nvGrpSpPr>
+        <p:cNvPr id="1" name=""/>
+        <p:cNvGrpSpPr/>
+        <p:nvPr/>
+      </p:nvGrpSpPr>
+      <p:grpSpPr>
+        <a:xfrm>
+          <a:off x="0" y="0"/>
+          <a:ext cx="0" cy="0"/>
+          <a:chOff x="0" y="0"/>
+          <a:chExt cx="0" cy="0"/>
+        </a:xfrm>
+      </p:grpSpPr>
+      <p:sp>
+        <p:nvSpPr>
+          <p:cNvPr id="2" name="Заголовок 1"/>
+          <p:cNvSpPr>
+            <a:spLocks noGrp="1"/>
+          </p:cNvSpPr>
+          <p:nvPr>
+            <p:ph type="title"/>
+          </p:nvPr>
+        </p:nvSpPr>
+        <p:spPr/>
+        <p:txBody>
+          <a:bodyPr/>
+          <a:lstStyle/>
+          <a:p>
+            <a:r>
+              <a:rPr lang="ru-RU" dirty="0" smtClean="0"/>
+              <a:t>Начальная страница</a:t>
+            </a:r>
+            <a:endParaRPr lang="ru-RU" dirty="0"/>
+          </a:p>
+        </p:txBody>
+      </p:sp>
+      <p:sp>
+        <p:nvSpPr>
+          <p:cNvPr id="3" name="Объект 2"/>
+          <p:cNvSpPr>
+            <a:spLocks noGrp="1"/>
+          </p:cNvSpPr>
+          <p:nvPr>
+            <p:ph idx="1"/>
+          </p:nvPr>
+        </p:nvSpPr>
+        <p:spPr>
+          <a:xfrm>
+            <a:off x="913795" y="2096064"/>
+            <a:ext cx="3561490" cy="3695136"/>
+          </a:xfrm>
+        </p:spPr>
+        <p:txBody>
+          <a:bodyPr/>
+          <a:lstStyle/>
+          <a:p>
+            <a:pPr marL="0" indent="0">
+              <a:buNone/>
+            </a:pPr>
+            <a:r>
+              <a:rPr lang="ru-RU" dirty="0" smtClean="0"/>
+              <a:t>При запуске сайта нас встречает стартовая страница, рассказывающийся об функционале</a:t>
+            </a:r>
+            <a:endParaRPr lang="ru-RU" dirty="0"/>
+          </a:p>
+        </p:txBody>
+      </p:sp>
+      <p:pic>
+        <p:nvPicPr>
+          <p:cNvPr id="4" name="Рисунок 3"/>
+          <p:cNvPicPr>
+            <a:picLocks noChangeAspect="1"/>
+          </p:cNvPicPr>
+          <p:nvPr/>
+        </p:nvPicPr>
+        <p:blipFill>
+          <a:blip r:embed="rId2"/>
+          <a:stretch>
+            <a:fillRect/>
+          </a:stretch>
+        </p:blipFill>
+        <p:spPr>
+          <a:xfrm>
+            <a:off x="3772697" y="2096064"/>
+            <a:ext cx="7238558" cy="3695136"/>
+          </a:xfrm>
+          <a:prstGeom prst="rect">
+            <a:avLst/>
+          </a:prstGeom>
+        </p:spPr>
+      </p:pic>
+    </p:spTree>
+    <p:extLst>
+      <p:ext uri="{BB962C8B-B14F-4D97-AF65-F5344CB8AC3E}">
+        <p14:creationId xmlns:p14="http://schemas.microsoft.com/office/powerpoint/2010/main" val="1638096610"/>
+      </p:ext>
+    </p:extLst>
+  </p:cSld>
+  <p:clrMapOvr>
+    <a:masterClrMapping/>
+  </p:clrMapOvr>
+</p:sld>
+</file>
+
+<file path=ppt/slides/slide5.xml><?xml version="1.0" encoding="utf-8"?>
 <p:sld xmlns:a="http://schemas.openxmlformats.org/drawingml/2006/main" xmlns:r="http://schemas.openxmlformats.org/officeDocument/2006/relationships" xmlns:p="http://schemas.openxmlformats.org/presentationml/2006/main">
   <p:cSld>
     <p:spTree>
@@ -7471,6 +7763,547 @@
   <p:clrMapOvr>
     <a:masterClrMapping/>
   </p:clrMapOvr>
+  <p:timing>
+    <p:tnLst>
+      <p:par>
+        <p:cTn id="1" dur="indefinite" restart="never" nodeType="tmRoot"/>
+      </p:par>
+    </p:tnLst>
+  </p:timing>
+</p:sld>
+</file>
+
+<file path=ppt/slides/slide6.xml><?xml version="1.0" encoding="utf-8"?>
+<p:sld xmlns:a="http://schemas.openxmlformats.org/drawingml/2006/main" xmlns:r="http://schemas.openxmlformats.org/officeDocument/2006/relationships" xmlns:p="http://schemas.openxmlformats.org/presentationml/2006/main">
+  <p:cSld>
+    <p:spTree>
+      <p:nvGrpSpPr>
+        <p:cNvPr id="1" name=""/>
+        <p:cNvGrpSpPr/>
+        <p:nvPr/>
+      </p:nvGrpSpPr>
+      <p:grpSpPr>
+        <a:xfrm>
+          <a:off x="0" y="0"/>
+          <a:ext cx="0" cy="0"/>
+          <a:chOff x="0" y="0"/>
+          <a:chExt cx="0" cy="0"/>
+        </a:xfrm>
+      </p:grpSpPr>
+      <p:sp>
+        <p:nvSpPr>
+          <p:cNvPr id="2" name="Заголовок 1"/>
+          <p:cNvSpPr>
+            <a:spLocks noGrp="1"/>
+          </p:cNvSpPr>
+          <p:nvPr>
+            <p:ph type="title"/>
+          </p:nvPr>
+        </p:nvSpPr>
+        <p:spPr/>
+        <p:txBody>
+          <a:bodyPr/>
+          <a:lstStyle/>
+          <a:p>
+            <a:r>
+              <a:rPr lang="ru-RU" dirty="0" smtClean="0"/>
+              <a:t>Поиск игр</a:t>
+            </a:r>
+            <a:endParaRPr lang="ru-RU" dirty="0"/>
+          </a:p>
+        </p:txBody>
+      </p:sp>
+      <p:sp>
+        <p:nvSpPr>
+          <p:cNvPr id="3" name="Объект 2"/>
+          <p:cNvSpPr>
+            <a:spLocks noGrp="1"/>
+          </p:cNvSpPr>
+          <p:nvPr>
+            <p:ph idx="1"/>
+          </p:nvPr>
+        </p:nvSpPr>
+        <p:spPr>
+          <a:xfrm>
+            <a:off x="913795" y="2096064"/>
+            <a:ext cx="6937736" cy="3695136"/>
+          </a:xfrm>
+        </p:spPr>
+        <p:txBody>
+          <a:bodyPr>
+            <a:normAutofit/>
+          </a:bodyPr>
+          <a:lstStyle/>
+          <a:p>
+            <a:pPr marL="0" indent="0">
+              <a:buNone/>
+            </a:pPr>
+            <a:r>
+              <a:rPr lang="ru-RU" sz="2400" dirty="0" smtClean="0"/>
+              <a:t>Поиск игр осуществляется по названию через поисковую строку в шапке сайта.</a:t>
+            </a:r>
+            <a:br>
+              <a:rPr lang="ru-RU" sz="2400" dirty="0" smtClean="0"/>
+            </a:br>
+            <a:r>
+              <a:rPr lang="ru-RU" sz="2400" dirty="0" smtClean="0"/>
+              <a:t>Наиболее подходящие результаты поиска выводятся под строкой, но пользователь может посмотреть все результаты, нажав </a:t>
+            </a:r>
+            <a:r>
+              <a:rPr lang="en-US" sz="2400" dirty="0" smtClean="0"/>
+              <a:t>Enter.</a:t>
+            </a:r>
+            <a:endParaRPr lang="ru-RU" sz="2400" dirty="0"/>
+          </a:p>
+        </p:txBody>
+      </p:sp>
+      <p:pic>
+        <p:nvPicPr>
+          <p:cNvPr id="4" name="Рисунок 3"/>
+          <p:cNvPicPr>
+            <a:picLocks noChangeAspect="1"/>
+          </p:cNvPicPr>
+          <p:nvPr/>
+        </p:nvPicPr>
+        <p:blipFill>
+          <a:blip r:embed="rId2"/>
+          <a:stretch>
+            <a:fillRect/>
+          </a:stretch>
+        </p:blipFill>
+        <p:spPr>
+          <a:xfrm>
+            <a:off x="8406912" y="2312010"/>
+            <a:ext cx="2515844" cy="3479190"/>
+          </a:xfrm>
+          <a:prstGeom prst="rect">
+            <a:avLst/>
+          </a:prstGeom>
+        </p:spPr>
+      </p:pic>
+    </p:spTree>
+    <p:extLst>
+      <p:ext uri="{BB962C8B-B14F-4D97-AF65-F5344CB8AC3E}">
+        <p14:creationId xmlns:p14="http://schemas.microsoft.com/office/powerpoint/2010/main" val="3674498148"/>
+      </p:ext>
+    </p:extLst>
+  </p:cSld>
+  <p:clrMapOvr>
+    <a:masterClrMapping/>
+  </p:clrMapOvr>
+  <p:timing>
+    <p:tnLst>
+      <p:par>
+        <p:cTn id="1" dur="indefinite" restart="never" nodeType="tmRoot"/>
+      </p:par>
+    </p:tnLst>
+  </p:timing>
+</p:sld>
+</file>
+
+<file path=ppt/slides/slide7.xml><?xml version="1.0" encoding="utf-8"?>
+<p:sld xmlns:a="http://schemas.openxmlformats.org/drawingml/2006/main" xmlns:r="http://schemas.openxmlformats.org/officeDocument/2006/relationships" xmlns:p="http://schemas.openxmlformats.org/presentationml/2006/main">
+  <p:cSld>
+    <p:spTree>
+      <p:nvGrpSpPr>
+        <p:cNvPr id="1" name=""/>
+        <p:cNvGrpSpPr/>
+        <p:nvPr/>
+      </p:nvGrpSpPr>
+      <p:grpSpPr>
+        <a:xfrm>
+          <a:off x="0" y="0"/>
+          <a:ext cx="0" cy="0"/>
+          <a:chOff x="0" y="0"/>
+          <a:chExt cx="0" cy="0"/>
+        </a:xfrm>
+      </p:grpSpPr>
+      <p:sp>
+        <p:nvSpPr>
+          <p:cNvPr id="2" name="Заголовок 1"/>
+          <p:cNvSpPr>
+            <a:spLocks noGrp="1"/>
+          </p:cNvSpPr>
+          <p:nvPr>
+            <p:ph type="title"/>
+          </p:nvPr>
+        </p:nvSpPr>
+        <p:spPr/>
+        <p:txBody>
+          <a:bodyPr/>
+          <a:lstStyle/>
+          <a:p>
+            <a:r>
+              <a:rPr lang="ru-RU" dirty="0" smtClean="0"/>
+              <a:t>Поиск Пользователей</a:t>
+            </a:r>
+            <a:endParaRPr lang="ru-RU" dirty="0"/>
+          </a:p>
+        </p:txBody>
+      </p:sp>
+      <p:sp>
+        <p:nvSpPr>
+          <p:cNvPr id="3" name="Объект 2"/>
+          <p:cNvSpPr>
+            <a:spLocks noGrp="1"/>
+          </p:cNvSpPr>
+          <p:nvPr>
+            <p:ph idx="1"/>
+          </p:nvPr>
+        </p:nvSpPr>
+        <p:spPr>
+          <a:xfrm>
+            <a:off x="913795" y="2096064"/>
+            <a:ext cx="10595336" cy="1763759"/>
+          </a:xfrm>
+        </p:spPr>
+        <p:txBody>
+          <a:bodyPr>
+            <a:normAutofit lnSpcReduction="10000"/>
+          </a:bodyPr>
+          <a:lstStyle/>
+          <a:p>
+            <a:pPr marL="0" indent="0">
+              <a:buNone/>
+            </a:pPr>
+            <a:r>
+              <a:rPr lang="ru-RU" sz="2400" dirty="0"/>
+              <a:t>Поиск </a:t>
+            </a:r>
+            <a:r>
+              <a:rPr lang="ru-RU" sz="2400" dirty="0" smtClean="0"/>
+              <a:t>пользователей </a:t>
+            </a:r>
+            <a:r>
+              <a:rPr lang="ru-RU" sz="2400" dirty="0"/>
+              <a:t>осуществляется по </a:t>
+            </a:r>
+            <a:r>
+              <a:rPr lang="en-US" sz="2400" dirty="0" err="1" smtClean="0"/>
+              <a:t>SteamID</a:t>
+            </a:r>
+            <a:r>
+              <a:rPr lang="en-US" sz="2400" dirty="0" smtClean="0"/>
+              <a:t> </a:t>
+            </a:r>
+            <a:r>
+              <a:rPr lang="ru-RU" sz="2400" dirty="0" smtClean="0"/>
+              <a:t>или пользовательской ссылке </a:t>
+            </a:r>
+            <a:r>
+              <a:rPr lang="en-US" sz="2400" dirty="0" smtClean="0"/>
+              <a:t>(Vanity URL)</a:t>
+            </a:r>
+            <a:r>
+              <a:rPr lang="ru-RU" sz="2400" dirty="0" smtClean="0"/>
+              <a:t>.</a:t>
+            </a:r>
+            <a:r>
+              <a:rPr lang="ru-RU" sz="2400" dirty="0"/>
+              <a:t/>
+            </a:r>
+            <a:br>
+              <a:rPr lang="ru-RU" sz="2400" dirty="0"/>
+            </a:br>
+            <a:r>
+              <a:rPr lang="ru-RU" sz="2400" dirty="0" smtClean="0"/>
+              <a:t>Если указанная информация корректна и пользователь действительно существует – сайт откроет страницу с профилем пользователя.</a:t>
+            </a:r>
+            <a:endParaRPr lang="ru-RU" sz="2400" dirty="0"/>
+          </a:p>
+        </p:txBody>
+      </p:sp>
+      <p:pic>
+        <p:nvPicPr>
+          <p:cNvPr id="4" name="Рисунок 3"/>
+          <p:cNvPicPr>
+            <a:picLocks noChangeAspect="1"/>
+          </p:cNvPicPr>
+          <p:nvPr/>
+        </p:nvPicPr>
+        <p:blipFill>
+          <a:blip r:embed="rId2"/>
+          <a:stretch>
+            <a:fillRect/>
+          </a:stretch>
+        </p:blipFill>
+        <p:spPr>
+          <a:xfrm>
+            <a:off x="3015761" y="4019966"/>
+            <a:ext cx="6068301" cy="2407211"/>
+          </a:xfrm>
+          <a:prstGeom prst="rect">
+            <a:avLst/>
+          </a:prstGeom>
+        </p:spPr>
+      </p:pic>
+    </p:spTree>
+    <p:extLst>
+      <p:ext uri="{BB962C8B-B14F-4D97-AF65-F5344CB8AC3E}">
+        <p14:creationId xmlns:p14="http://schemas.microsoft.com/office/powerpoint/2010/main" val="1688833553"/>
+      </p:ext>
+    </p:extLst>
+  </p:cSld>
+  <p:clrMapOvr>
+    <a:masterClrMapping/>
+  </p:clrMapOvr>
+  <p:timing>
+    <p:tnLst>
+      <p:par>
+        <p:cTn id="1" dur="indefinite" restart="never" nodeType="tmRoot"/>
+      </p:par>
+    </p:tnLst>
+  </p:timing>
+</p:sld>
+</file>
+
+<file path=ppt/slides/slide8.xml><?xml version="1.0" encoding="utf-8"?>
+<p:sld xmlns:a="http://schemas.openxmlformats.org/drawingml/2006/main" xmlns:r="http://schemas.openxmlformats.org/officeDocument/2006/relationships" xmlns:p="http://schemas.openxmlformats.org/presentationml/2006/main">
+  <p:cSld>
+    <p:spTree>
+      <p:nvGrpSpPr>
+        <p:cNvPr id="1" name=""/>
+        <p:cNvGrpSpPr/>
+        <p:nvPr/>
+      </p:nvGrpSpPr>
+      <p:grpSpPr>
+        <a:xfrm>
+          <a:off x="0" y="0"/>
+          <a:ext cx="0" cy="0"/>
+          <a:chOff x="0" y="0"/>
+          <a:chExt cx="0" cy="0"/>
+        </a:xfrm>
+      </p:grpSpPr>
+      <p:sp>
+        <p:nvSpPr>
+          <p:cNvPr id="2" name="Заголовок 1"/>
+          <p:cNvSpPr>
+            <a:spLocks noGrp="1"/>
+          </p:cNvSpPr>
+          <p:nvPr>
+            <p:ph type="title"/>
+          </p:nvPr>
+        </p:nvSpPr>
+        <p:spPr/>
+        <p:txBody>
+          <a:bodyPr/>
+          <a:lstStyle/>
+          <a:p>
+            <a:r>
+              <a:rPr lang="ru-RU" dirty="0" smtClean="0"/>
+              <a:t>Отображение Пользователя</a:t>
+            </a:r>
+            <a:endParaRPr lang="ru-RU" dirty="0"/>
+          </a:p>
+        </p:txBody>
+      </p:sp>
+      <p:sp>
+        <p:nvSpPr>
+          <p:cNvPr id="3" name="Объект 2"/>
+          <p:cNvSpPr>
+            <a:spLocks noGrp="1"/>
+          </p:cNvSpPr>
+          <p:nvPr>
+            <p:ph idx="1"/>
+          </p:nvPr>
+        </p:nvSpPr>
+        <p:spPr>
+          <a:xfrm>
+            <a:off x="913795" y="3086100"/>
+            <a:ext cx="4959467" cy="2691010"/>
+          </a:xfrm>
+        </p:spPr>
+        <p:txBody>
+          <a:bodyPr>
+            <a:normAutofit/>
+          </a:bodyPr>
+          <a:lstStyle/>
+          <a:p>
+            <a:pPr marL="0" indent="0">
+              <a:buNone/>
+            </a:pPr>
+            <a:r>
+              <a:rPr lang="ru-RU" sz="2400" dirty="0"/>
+              <a:t>Если пользователь найден, то нас переносит на страницу с информацией о пользователе.</a:t>
+            </a:r>
+            <a:endParaRPr lang="ru-RU" sz="2400" dirty="0"/>
+          </a:p>
+        </p:txBody>
+      </p:sp>
+      <p:pic>
+        <p:nvPicPr>
+          <p:cNvPr id="4" name="Рисунок 3"/>
+          <p:cNvPicPr>
+            <a:picLocks noChangeAspect="1"/>
+          </p:cNvPicPr>
+          <p:nvPr/>
+        </p:nvPicPr>
+        <p:blipFill>
+          <a:blip r:embed="rId2"/>
+          <a:stretch>
+            <a:fillRect/>
+          </a:stretch>
+        </p:blipFill>
+        <p:spPr>
+          <a:xfrm>
+            <a:off x="5953553" y="2096064"/>
+            <a:ext cx="5314003" cy="3774388"/>
+          </a:xfrm>
+          <a:prstGeom prst="rect">
+            <a:avLst/>
+          </a:prstGeom>
+        </p:spPr>
+      </p:pic>
+    </p:spTree>
+    <p:extLst>
+      <p:ext uri="{BB962C8B-B14F-4D97-AF65-F5344CB8AC3E}">
+        <p14:creationId xmlns:p14="http://schemas.microsoft.com/office/powerpoint/2010/main" val="2085548482"/>
+      </p:ext>
+    </p:extLst>
+  </p:cSld>
+  <p:clrMapOvr>
+    <a:masterClrMapping/>
+  </p:clrMapOvr>
+  <p:timing>
+    <p:tnLst>
+      <p:par>
+        <p:cTn id="1" dur="indefinite" restart="never" nodeType="tmRoot"/>
+      </p:par>
+    </p:tnLst>
+  </p:timing>
+</p:sld>
+</file>
+
+<file path=ppt/slides/slide9.xml><?xml version="1.0" encoding="utf-8"?>
+<p:sld xmlns:a="http://schemas.openxmlformats.org/drawingml/2006/main" xmlns:r="http://schemas.openxmlformats.org/officeDocument/2006/relationships" xmlns:p="http://schemas.openxmlformats.org/presentationml/2006/main">
+  <p:cSld>
+    <p:spTree>
+      <p:nvGrpSpPr>
+        <p:cNvPr id="1" name=""/>
+        <p:cNvGrpSpPr/>
+        <p:nvPr/>
+      </p:nvGrpSpPr>
+      <p:grpSpPr>
+        <a:xfrm>
+          <a:off x="0" y="0"/>
+          <a:ext cx="0" cy="0"/>
+          <a:chOff x="0" y="0"/>
+          <a:chExt cx="0" cy="0"/>
+        </a:xfrm>
+      </p:grpSpPr>
+      <p:sp>
+        <p:nvSpPr>
+          <p:cNvPr id="2" name="Заголовок 1"/>
+          <p:cNvSpPr>
+            <a:spLocks noGrp="1"/>
+          </p:cNvSpPr>
+          <p:nvPr>
+            <p:ph type="title"/>
+          </p:nvPr>
+        </p:nvSpPr>
+        <p:spPr/>
+        <p:txBody>
+          <a:bodyPr/>
+          <a:lstStyle/>
+          <a:p>
+            <a:r>
+              <a:rPr lang="ru-RU" dirty="0" smtClean="0"/>
+              <a:t>Отображение игры</a:t>
+            </a:r>
+            <a:endParaRPr lang="ru-RU" dirty="0"/>
+          </a:p>
+        </p:txBody>
+      </p:sp>
+      <p:sp>
+        <p:nvSpPr>
+          <p:cNvPr id="3" name="Объект 2"/>
+          <p:cNvSpPr>
+            <a:spLocks noGrp="1"/>
+          </p:cNvSpPr>
+          <p:nvPr>
+            <p:ph idx="1"/>
+          </p:nvPr>
+        </p:nvSpPr>
+        <p:spPr>
+          <a:xfrm>
+            <a:off x="644809" y="2500306"/>
+            <a:ext cx="4793359" cy="2966597"/>
+          </a:xfrm>
+        </p:spPr>
+        <p:txBody>
+          <a:bodyPr>
+            <a:normAutofit/>
+          </a:bodyPr>
+          <a:lstStyle/>
+          <a:p>
+            <a:pPr marL="0" indent="0">
+              <a:buNone/>
+            </a:pPr>
+            <a:r>
+              <a:rPr lang="ru-RU" sz="2400" dirty="0" smtClean="0"/>
+              <a:t>На страницы с игрой отображается информация об игре</a:t>
+            </a:r>
+            <a:r>
+              <a:rPr lang="en-US" sz="2400" dirty="0" smtClean="0"/>
+              <a:t>: </a:t>
+            </a:r>
+            <a:r>
+              <a:rPr lang="ru-RU" sz="2400" dirty="0" smtClean="0"/>
+              <a:t>описание, </a:t>
+            </a:r>
+            <a:r>
+              <a:rPr lang="ru-RU" sz="2400" dirty="0"/>
+              <a:t>дата </a:t>
+            </a:r>
+            <a:r>
+              <a:rPr lang="ru-RU" sz="2400" dirty="0" smtClean="0"/>
+              <a:t>выхода, количество активных игроков, системные требования, скриншоты и т.д.</a:t>
+            </a:r>
+            <a:endParaRPr lang="ru-RU" sz="2400" dirty="0"/>
+          </a:p>
+        </p:txBody>
+      </p:sp>
+      <p:pic>
+        <p:nvPicPr>
+          <p:cNvPr id="4" name="Рисунок 3"/>
+          <p:cNvPicPr>
+            <a:picLocks noChangeAspect="1"/>
+          </p:cNvPicPr>
+          <p:nvPr/>
+        </p:nvPicPr>
+        <p:blipFill>
+          <a:blip r:embed="rId2"/>
+          <a:stretch>
+            <a:fillRect/>
+          </a:stretch>
+        </p:blipFill>
+        <p:spPr>
+          <a:xfrm>
+            <a:off x="5707154" y="1935922"/>
+            <a:ext cx="5151346" cy="4095366"/>
+          </a:xfrm>
+          <a:prstGeom prst="rect">
+            <a:avLst/>
+          </a:prstGeom>
+        </p:spPr>
+      </p:pic>
+    </p:spTree>
+    <p:extLst>
+      <p:ext uri="{BB962C8B-B14F-4D97-AF65-F5344CB8AC3E}">
+        <p14:creationId xmlns:p14="http://schemas.microsoft.com/office/powerpoint/2010/main" val="1446852662"/>
+      </p:ext>
+    </p:extLst>
+  </p:cSld>
+  <p:clrMapOvr>
+    <a:masterClrMapping/>
+  </p:clrMapOvr>
+  <p:timing>
+    <p:tnLst>
+      <p:par>
+        <p:cTn id="1" dur="indefinite" restart="never" nodeType="tmRoot"/>
+      </p:par>
+    </p:tnLst>
+  </p:timing>
 </p:sld>
 </file>
 
